--- a/DeveloperGuide/designing_1ch_gateway/images/gwayv4_cad_hop.pptx
+++ b/DeveloperGuide/designing_1ch_gateway/images/gwayv4_cad_hop.pptx
@@ -6501,7 +6501,7 @@
           <a:bodyPr/>
           <a:lstStyle/>
           <a:p>
-            <a:endParaRPr lang="nl-NL"/>
+            <a:endParaRPr lang="nl-NL" dirty="0"/>
           </a:p>
         </p:txBody>
       </p:sp>
